--- a/Documentation/Presentation_kroasancheta.pptx
+++ b/Documentation/Presentation_kroasancheta.pptx
@@ -10,7 +10,8 @@
     <p:sldId id="258" r:id="rId4"/>
     <p:sldId id="259" r:id="rId5"/>
     <p:sldId id="260" r:id="rId6"/>
-    <p:sldId id="261" r:id="rId7"/>
+    <p:sldId id="262" r:id="rId7"/>
+    <p:sldId id="261" r:id="rId8"/>
   </p:sldIdLst>
   <p:sldSz cx="12192000" cy="6858000"/>
   <p:notesSz cx="6858000" cy="9144000"/>
@@ -10883,6 +10884,462 @@
           <a:chExt cx="0" cy="0"/>
         </a:xfrm>
       </p:grpSpPr>
+      <p:sp>
+        <p:nvSpPr>
+          <p:cNvPr id="2" name="Title 1">
+            <a:extLst>
+              <a:ext uri="{FF2B5EF4-FFF2-40B4-BE49-F238E27FC236}">
+                <a16:creationId xmlns:a16="http://schemas.microsoft.com/office/drawing/2014/main" id="{62AF10E1-CDCD-EDCC-3DCD-7697E3119FD3}"/>
+              </a:ext>
+            </a:extLst>
+          </p:cNvPr>
+          <p:cNvSpPr>
+            <a:spLocks noGrp="1"/>
+          </p:cNvSpPr>
+          <p:nvPr>
+            <p:ph type="title"/>
+          </p:nvPr>
+        </p:nvSpPr>
+        <p:spPr/>
+        <p:txBody>
+          <a:bodyPr/>
+          <a:lstStyle/>
+          <a:p>
+            <a:r>
+              <a:rPr lang="en-US" u="sng" dirty="0">
+                <a:solidFill>
+                  <a:schemeClr val="accent5"/>
+                </a:solidFill>
+                <a:latin typeface="Agency FB" panose="020B0503020202020204" pitchFamily="34" charset="0"/>
+              </a:rPr>
+              <a:t>Used technologies</a:t>
+            </a:r>
+            <a:endParaRPr lang="bg-BG" u="sng" dirty="0">
+              <a:solidFill>
+                <a:schemeClr val="accent5"/>
+              </a:solidFill>
+            </a:endParaRPr>
+          </a:p>
+        </p:txBody>
+      </p:sp>
+      <p:pic>
+        <p:nvPicPr>
+          <p:cNvPr id="1026" name="Picture 2" descr="C++ – Уикипедия">
+            <a:extLst>
+              <a:ext uri="{FF2B5EF4-FFF2-40B4-BE49-F238E27FC236}">
+                <a16:creationId xmlns:a16="http://schemas.microsoft.com/office/drawing/2014/main" id="{F545BAB7-BF56-9F4D-C5DF-F0B1CA8ABF28}"/>
+              </a:ext>
+            </a:extLst>
+          </p:cNvPr>
+          <p:cNvPicPr>
+            <a:picLocks noChangeAspect="1" noChangeArrowheads="1"/>
+          </p:cNvPicPr>
+          <p:nvPr/>
+        </p:nvPicPr>
+        <p:blipFill>
+          <a:blip r:embed="rId2">
+            <a:extLst>
+              <a:ext uri="{28A0092B-C50C-407E-A947-70E740481C1C}">
+                <a14:useLocalDpi xmlns:a14="http://schemas.microsoft.com/office/drawing/2010/main" val="0"/>
+              </a:ext>
+            </a:extLst>
+          </a:blip>
+          <a:srcRect/>
+          <a:stretch>
+            <a:fillRect/>
+          </a:stretch>
+        </p:blipFill>
+        <p:spPr bwMode="auto">
+          <a:xfrm>
+            <a:off x="646567" y="1971675"/>
+            <a:ext cx="1745495" cy="1962149"/>
+          </a:xfrm>
+          <a:prstGeom prst="rect">
+            <a:avLst/>
+          </a:prstGeom>
+          <a:noFill/>
+          <a:extLst>
+            <a:ext uri="{909E8E84-426E-40DD-AFC4-6F175D3DCCD1}">
+              <a14:hiddenFill xmlns:a14="http://schemas.microsoft.com/office/drawing/2010/main">
+                <a:solidFill>
+                  <a:srgbClr val="FFFFFF"/>
+                </a:solidFill>
+              </a14:hiddenFill>
+            </a:ext>
+          </a:extLst>
+        </p:spPr>
+      </p:pic>
+      <p:pic>
+        <p:nvPicPr>
+          <p:cNvPr id="1028" name="Picture 4" descr="Simple and Fast Multimedia Library - Wikipedia">
+            <a:extLst>
+              <a:ext uri="{FF2B5EF4-FFF2-40B4-BE49-F238E27FC236}">
+                <a16:creationId xmlns:a16="http://schemas.microsoft.com/office/drawing/2014/main" id="{04B4C6C6-ED95-07F4-69FA-2950FC4C7F82}"/>
+              </a:ext>
+            </a:extLst>
+          </p:cNvPr>
+          <p:cNvPicPr>
+            <a:picLocks noChangeAspect="1" noChangeArrowheads="1"/>
+          </p:cNvPicPr>
+          <p:nvPr/>
+        </p:nvPicPr>
+        <p:blipFill>
+          <a:blip r:embed="rId3">
+            <a:extLst>
+              <a:ext uri="{28A0092B-C50C-407E-A947-70E740481C1C}">
+                <a14:useLocalDpi xmlns:a14="http://schemas.microsoft.com/office/drawing/2010/main" val="0"/>
+              </a:ext>
+            </a:extLst>
+          </a:blip>
+          <a:srcRect/>
+          <a:stretch>
+            <a:fillRect/>
+          </a:stretch>
+        </p:blipFill>
+        <p:spPr bwMode="auto">
+          <a:xfrm>
+            <a:off x="2677235" y="2274933"/>
+            <a:ext cx="3603684" cy="1219247"/>
+          </a:xfrm>
+          <a:prstGeom prst="rect">
+            <a:avLst/>
+          </a:prstGeom>
+          <a:noFill/>
+          <a:extLst>
+            <a:ext uri="{909E8E84-426E-40DD-AFC4-6F175D3DCCD1}">
+              <a14:hiddenFill xmlns:a14="http://schemas.microsoft.com/office/drawing/2010/main">
+                <a:solidFill>
+                  <a:srgbClr val="FFFFFF"/>
+                </a:solidFill>
+              </a14:hiddenFill>
+            </a:ext>
+          </a:extLst>
+        </p:spPr>
+      </p:pic>
+      <p:pic>
+        <p:nvPicPr>
+          <p:cNvPr id="1030" name="Picture 6" descr="Visual Studio - Wikipedia">
+            <a:extLst>
+              <a:ext uri="{FF2B5EF4-FFF2-40B4-BE49-F238E27FC236}">
+                <a16:creationId xmlns:a16="http://schemas.microsoft.com/office/drawing/2014/main" id="{31AF5C2C-DCE2-104F-AFB2-BDF068B412FD}"/>
+              </a:ext>
+            </a:extLst>
+          </p:cNvPr>
+          <p:cNvPicPr>
+            <a:picLocks noChangeAspect="1" noChangeArrowheads="1"/>
+          </p:cNvPicPr>
+          <p:nvPr/>
+        </p:nvPicPr>
+        <p:blipFill>
+          <a:blip r:embed="rId4">
+            <a:extLst>
+              <a:ext uri="{28A0092B-C50C-407E-A947-70E740481C1C}">
+                <a14:useLocalDpi xmlns:a14="http://schemas.microsoft.com/office/drawing/2010/main" val="0"/>
+              </a:ext>
+            </a:extLst>
+          </a:blip>
+          <a:srcRect/>
+          <a:stretch>
+            <a:fillRect/>
+          </a:stretch>
+        </p:blipFill>
+        <p:spPr bwMode="auto">
+          <a:xfrm>
+            <a:off x="6280919" y="2127247"/>
+            <a:ext cx="1857375" cy="1857375"/>
+          </a:xfrm>
+          <a:prstGeom prst="rect">
+            <a:avLst/>
+          </a:prstGeom>
+          <a:noFill/>
+          <a:extLst>
+            <a:ext uri="{909E8E84-426E-40DD-AFC4-6F175D3DCCD1}">
+              <a14:hiddenFill xmlns:a14="http://schemas.microsoft.com/office/drawing/2010/main">
+                <a:solidFill>
+                  <a:srgbClr val="FFFFFF"/>
+                </a:solidFill>
+              </a14:hiddenFill>
+            </a:ext>
+          </a:extLst>
+        </p:spPr>
+      </p:pic>
+      <p:pic>
+        <p:nvPicPr>
+          <p:cNvPr id="1032" name="Picture 8" descr="Microsoft Teams - Wikipedia">
+            <a:extLst>
+              <a:ext uri="{FF2B5EF4-FFF2-40B4-BE49-F238E27FC236}">
+                <a16:creationId xmlns:a16="http://schemas.microsoft.com/office/drawing/2014/main" id="{EACE136F-6CEC-B77D-32DC-30FE1BDF82AD}"/>
+              </a:ext>
+            </a:extLst>
+          </p:cNvPr>
+          <p:cNvPicPr>
+            <a:picLocks noChangeAspect="1" noChangeArrowheads="1"/>
+          </p:cNvPicPr>
+          <p:nvPr/>
+        </p:nvPicPr>
+        <p:blipFill>
+          <a:blip r:embed="rId5">
+            <a:extLst>
+              <a:ext uri="{28A0092B-C50C-407E-A947-70E740481C1C}">
+                <a14:useLocalDpi xmlns:a14="http://schemas.microsoft.com/office/drawing/2010/main" val="0"/>
+              </a:ext>
+            </a:extLst>
+          </a:blip>
+          <a:srcRect/>
+          <a:stretch>
+            <a:fillRect/>
+          </a:stretch>
+        </p:blipFill>
+        <p:spPr bwMode="auto">
+          <a:xfrm>
+            <a:off x="8348658" y="2070097"/>
+            <a:ext cx="1997108" cy="1857375"/>
+          </a:xfrm>
+          <a:prstGeom prst="rect">
+            <a:avLst/>
+          </a:prstGeom>
+          <a:noFill/>
+          <a:extLst>
+            <a:ext uri="{909E8E84-426E-40DD-AFC4-6F175D3DCCD1}">
+              <a14:hiddenFill xmlns:a14="http://schemas.microsoft.com/office/drawing/2010/main">
+                <a:solidFill>
+                  <a:srgbClr val="FFFFFF"/>
+                </a:solidFill>
+              </a14:hiddenFill>
+            </a:ext>
+          </a:extLst>
+        </p:spPr>
+      </p:pic>
+      <p:pic>
+        <p:nvPicPr>
+          <p:cNvPr id="1034" name="Picture 10" descr="Microsoft Word: Edit Documents – Приложения в Google Play">
+            <a:extLst>
+              <a:ext uri="{FF2B5EF4-FFF2-40B4-BE49-F238E27FC236}">
+                <a16:creationId xmlns:a16="http://schemas.microsoft.com/office/drawing/2014/main" id="{847F3C90-C164-27F6-DA87-2794EE052A92}"/>
+              </a:ext>
+            </a:extLst>
+          </p:cNvPr>
+          <p:cNvPicPr>
+            <a:picLocks noChangeAspect="1" noChangeArrowheads="1"/>
+          </p:cNvPicPr>
+          <p:nvPr/>
+        </p:nvPicPr>
+        <p:blipFill>
+          <a:blip r:embed="rId6">
+            <a:extLst>
+              <a:ext uri="{28A0092B-C50C-407E-A947-70E740481C1C}">
+                <a14:useLocalDpi xmlns:a14="http://schemas.microsoft.com/office/drawing/2010/main" val="0"/>
+              </a:ext>
+            </a:extLst>
+          </a:blip>
+          <a:srcRect/>
+          <a:stretch>
+            <a:fillRect/>
+          </a:stretch>
+        </p:blipFill>
+        <p:spPr bwMode="auto">
+          <a:xfrm>
+            <a:off x="2276475" y="4105274"/>
+            <a:ext cx="2133600" cy="2133600"/>
+          </a:xfrm>
+          <a:prstGeom prst="rect">
+            <a:avLst/>
+          </a:prstGeom>
+          <a:noFill/>
+          <a:extLst>
+            <a:ext uri="{909E8E84-426E-40DD-AFC4-6F175D3DCCD1}">
+              <a14:hiddenFill xmlns:a14="http://schemas.microsoft.com/office/drawing/2010/main">
+                <a:solidFill>
+                  <a:srgbClr val="FFFFFF"/>
+                </a:solidFill>
+              </a14:hiddenFill>
+            </a:ext>
+          </a:extLst>
+        </p:spPr>
+      </p:pic>
+      <p:pic>
+        <p:nvPicPr>
+          <p:cNvPr id="1036" name="Picture 12" descr="Microsoft PowerPoint - Apps on Google Play">
+            <a:extLst>
+              <a:ext uri="{FF2B5EF4-FFF2-40B4-BE49-F238E27FC236}">
+                <a16:creationId xmlns:a16="http://schemas.microsoft.com/office/drawing/2014/main" id="{0DD5E6CB-C776-7130-2854-6E81E0A51242}"/>
+              </a:ext>
+            </a:extLst>
+          </p:cNvPr>
+          <p:cNvPicPr>
+            <a:picLocks noChangeAspect="1" noChangeArrowheads="1"/>
+          </p:cNvPicPr>
+          <p:nvPr/>
+        </p:nvPicPr>
+        <p:blipFill>
+          <a:blip r:embed="rId7">
+            <a:extLst>
+              <a:ext uri="{28A0092B-C50C-407E-A947-70E740481C1C}">
+                <a14:useLocalDpi xmlns:a14="http://schemas.microsoft.com/office/drawing/2010/main" val="0"/>
+              </a:ext>
+            </a:extLst>
+          </a:blip>
+          <a:srcRect/>
+          <a:stretch>
+            <a:fillRect/>
+          </a:stretch>
+        </p:blipFill>
+        <p:spPr bwMode="auto">
+          <a:xfrm>
+            <a:off x="4219575" y="4268925"/>
+            <a:ext cx="1752600" cy="1752600"/>
+          </a:xfrm>
+          <a:prstGeom prst="rect">
+            <a:avLst/>
+          </a:prstGeom>
+          <a:noFill/>
+          <a:extLst>
+            <a:ext uri="{909E8E84-426E-40DD-AFC4-6F175D3DCCD1}">
+              <a14:hiddenFill xmlns:a14="http://schemas.microsoft.com/office/drawing/2010/main">
+                <a:solidFill>
+                  <a:srgbClr val="FFFFFF"/>
+                </a:solidFill>
+              </a14:hiddenFill>
+            </a:ext>
+          </a:extLst>
+        </p:spPr>
+      </p:pic>
+      <p:pic>
+        <p:nvPicPr>
+          <p:cNvPr id="1038" name="Picture 14" descr="Microsoft Excel: Spreadsheets – Приложения в Google Play">
+            <a:extLst>
+              <a:ext uri="{FF2B5EF4-FFF2-40B4-BE49-F238E27FC236}">
+                <a16:creationId xmlns:a16="http://schemas.microsoft.com/office/drawing/2014/main" id="{5BA68F3C-E16E-4DE0-80A0-2824BF7F83E6}"/>
+              </a:ext>
+            </a:extLst>
+          </p:cNvPr>
+          <p:cNvPicPr>
+            <a:picLocks noChangeAspect="1" noChangeArrowheads="1"/>
+          </p:cNvPicPr>
+          <p:nvPr/>
+        </p:nvPicPr>
+        <p:blipFill>
+          <a:blip r:embed="rId8">
+            <a:extLst>
+              <a:ext uri="{28A0092B-C50C-407E-A947-70E740481C1C}">
+                <a14:useLocalDpi xmlns:a14="http://schemas.microsoft.com/office/drawing/2010/main" val="0"/>
+              </a:ext>
+            </a:extLst>
+          </a:blip>
+          <a:srcRect/>
+          <a:stretch>
+            <a:fillRect/>
+          </a:stretch>
+        </p:blipFill>
+        <p:spPr bwMode="auto">
+          <a:xfrm>
+            <a:off x="5972175" y="4295774"/>
+            <a:ext cx="1752601" cy="1752601"/>
+          </a:xfrm>
+          <a:prstGeom prst="rect">
+            <a:avLst/>
+          </a:prstGeom>
+          <a:noFill/>
+          <a:extLst>
+            <a:ext uri="{909E8E84-426E-40DD-AFC4-6F175D3DCCD1}">
+              <a14:hiddenFill xmlns:a14="http://schemas.microsoft.com/office/drawing/2010/main">
+                <a:solidFill>
+                  <a:srgbClr val="FFFFFF"/>
+                </a:solidFill>
+              </a14:hiddenFill>
+            </a:ext>
+          </a:extLst>
+        </p:spPr>
+      </p:pic>
+      <p:pic>
+        <p:nvPicPr>
+          <p:cNvPr id="1040" name="Picture 16" descr="Aseprite">
+            <a:extLst>
+              <a:ext uri="{FF2B5EF4-FFF2-40B4-BE49-F238E27FC236}">
+                <a16:creationId xmlns:a16="http://schemas.microsoft.com/office/drawing/2014/main" id="{1277CC8F-E880-EBCD-288B-768F37F93251}"/>
+              </a:ext>
+            </a:extLst>
+          </p:cNvPr>
+          <p:cNvPicPr>
+            <a:picLocks noChangeAspect="1" noChangeArrowheads="1"/>
+          </p:cNvPicPr>
+          <p:nvPr/>
+        </p:nvPicPr>
+        <p:blipFill>
+          <a:blip r:embed="rId9">
+            <a:extLst>
+              <a:ext uri="{28A0092B-C50C-407E-A947-70E740481C1C}">
+                <a14:useLocalDpi xmlns:a14="http://schemas.microsoft.com/office/drawing/2010/main" val="0"/>
+              </a:ext>
+            </a:extLst>
+          </a:blip>
+          <a:srcRect/>
+          <a:stretch>
+            <a:fillRect/>
+          </a:stretch>
+        </p:blipFill>
+        <p:spPr bwMode="auto">
+          <a:xfrm>
+            <a:off x="7607859" y="4230962"/>
+            <a:ext cx="1819419" cy="1819419"/>
+          </a:xfrm>
+          <a:prstGeom prst="rect">
+            <a:avLst/>
+          </a:prstGeom>
+          <a:noFill/>
+          <a:extLst>
+            <a:ext uri="{909E8E84-426E-40DD-AFC4-6F175D3DCCD1}">
+              <a14:hiddenFill xmlns:a14="http://schemas.microsoft.com/office/drawing/2010/main">
+                <a:solidFill>
+                  <a:srgbClr val="FFFFFF"/>
+                </a:solidFill>
+              </a14:hiddenFill>
+            </a:ext>
+          </a:extLst>
+        </p:spPr>
+      </p:pic>
+    </p:spTree>
+    <p:extLst>
+      <p:ext uri="{BB962C8B-B14F-4D97-AF65-F5344CB8AC3E}">
+        <p14:creationId xmlns:p14="http://schemas.microsoft.com/office/powerpoint/2010/main" val="3346405667"/>
+      </p:ext>
+    </p:extLst>
+  </p:cSld>
+  <p:clrMapOvr>
+    <a:masterClrMapping/>
+  </p:clrMapOvr>
+  <mc:AlternateContent xmlns:mc="http://schemas.openxmlformats.org/markup-compatibility/2006">
+    <mc:Choice xmlns:p14="http://schemas.microsoft.com/office/powerpoint/2010/main" Requires="p14">
+      <p:transition spd="slow" p14:dur="3400">
+        <p14:reveal/>
+      </p:transition>
+    </mc:Choice>
+    <mc:Fallback>
+      <p:transition spd="slow">
+        <p:fade/>
+      </p:transition>
+    </mc:Fallback>
+  </mc:AlternateContent>
+</p:sld>
+</file>
+
+<file path=ppt/slides/slide7.xml><?xml version="1.0" encoding="utf-8"?>
+<p:sld xmlns:a="http://schemas.openxmlformats.org/drawingml/2006/main" xmlns:r="http://schemas.openxmlformats.org/officeDocument/2006/relationships" xmlns:p="http://schemas.openxmlformats.org/presentationml/2006/main">
+  <p:cSld>
+    <p:spTree>
+      <p:nvGrpSpPr>
+        <p:cNvPr id="1" name=""/>
+        <p:cNvGrpSpPr/>
+        <p:nvPr/>
+      </p:nvGrpSpPr>
+      <p:grpSpPr>
+        <a:xfrm>
+          <a:off x="0" y="0"/>
+          <a:ext cx="0" cy="0"/>
+          <a:chOff x="0" y="0"/>
+          <a:chExt cx="0" cy="0"/>
+        </a:xfrm>
+      </p:grpSpPr>
       <p:pic>
         <p:nvPicPr>
           <p:cNvPr id="11" name="Picture 10">
